--- a/Team Project Discussion- Updated 12-09-20.pptx
+++ b/Team Project Discussion- Updated 12-09-20.pptx
@@ -126,6 +126,35 @@
 </p:presentation>
 </file>
 
+<file path=ppt/changesInfos/changesInfo1.xml><?xml version="1.0" encoding="utf-8"?>
+<pc:chgInfo xmlns:a="http://schemas.openxmlformats.org/drawingml/2006/main" xmlns:r="http://schemas.openxmlformats.org/officeDocument/2006/relationships" xmlns:ac="http://schemas.microsoft.com/office/drawing/2013/main/command" xmlns:pc="http://schemas.microsoft.com/office/powerpoint/2013/main/command">
+  <pc:docChgLst>
+    <pc:chgData name="Gu Ruixue" userId="fdcbd47d-d14d-471d-a2bd-00e3bb594fe9" providerId="ADAL" clId="{7756100F-9608-465D-A929-93846A240F02}"/>
+    <pc:docChg chg="modSld">
+      <pc:chgData name="Gu Ruixue" userId="fdcbd47d-d14d-471d-a2bd-00e3bb594fe9" providerId="ADAL" clId="{7756100F-9608-465D-A929-93846A240F02}" dt="2020-09-15T15:30:52.836" v="1" actId="1076"/>
+      <pc:docMkLst>
+        <pc:docMk/>
+      </pc:docMkLst>
+      <pc:sldChg chg="modSp">
+        <pc:chgData name="Gu Ruixue" userId="fdcbd47d-d14d-471d-a2bd-00e3bb594fe9" providerId="ADAL" clId="{7756100F-9608-465D-A929-93846A240F02}" dt="2020-09-15T15:30:52.836" v="1" actId="1076"/>
+        <pc:sldMkLst>
+          <pc:docMk/>
+          <pc:sldMk cId="3042650182" sldId="263"/>
+        </pc:sldMkLst>
+        <pc:spChg chg="mod">
+          <ac:chgData name="Gu Ruixue" userId="fdcbd47d-d14d-471d-a2bd-00e3bb594fe9" providerId="ADAL" clId="{7756100F-9608-465D-A929-93846A240F02}" dt="2020-09-15T15:30:52.836" v="1" actId="1076"/>
+          <ac:spMkLst>
+            <pc:docMk/>
+            <pc:sldMk cId="3042650182" sldId="263"/>
+            <ac:spMk id="33" creationId="{DE33EB0A-2DD8-4423-B301-78C7E1522DC8}"/>
+          </ac:spMkLst>
+        </pc:spChg>
+      </pc:sldChg>
+    </pc:docChg>
+  </pc:docChgLst>
+</pc:chgInfo>
+</file>
+
 <file path=ppt/slideLayouts/slideLayout1.xml><?xml version="1.0" encoding="utf-8"?>
 <p:sldLayout xmlns:a="http://schemas.openxmlformats.org/drawingml/2006/main" xmlns:r="http://schemas.openxmlformats.org/officeDocument/2006/relationships" xmlns:p="http://schemas.openxmlformats.org/presentationml/2006/main" type="title" preserve="1">
   <p:cSld name="Title Slide">
@@ -273,7 +302,7 @@
           <a:p>
             <a:fld id="{3894A001-6890-4FB9-B682-16AC11FB0EF0}" type="datetimeFigureOut">
               <a:rPr lang="en-US" smtClean="0"/>
-              <a:t>12-Sep-20</a:t>
+              <a:t>9/15/2020</a:t>
             </a:fld>
             <a:endParaRPr lang="en-US"/>
           </a:p>
@@ -471,7 +500,7 @@
           <a:p>
             <a:fld id="{3894A001-6890-4FB9-B682-16AC11FB0EF0}" type="datetimeFigureOut">
               <a:rPr lang="en-US" smtClean="0"/>
-              <a:t>12-Sep-20</a:t>
+              <a:t>9/15/2020</a:t>
             </a:fld>
             <a:endParaRPr lang="en-US"/>
           </a:p>
@@ -679,7 +708,7 @@
           <a:p>
             <a:fld id="{3894A001-6890-4FB9-B682-16AC11FB0EF0}" type="datetimeFigureOut">
               <a:rPr lang="en-US" smtClean="0"/>
-              <a:t>12-Sep-20</a:t>
+              <a:t>9/15/2020</a:t>
             </a:fld>
             <a:endParaRPr lang="en-US"/>
           </a:p>
@@ -877,7 +906,7 @@
           <a:p>
             <a:fld id="{3894A001-6890-4FB9-B682-16AC11FB0EF0}" type="datetimeFigureOut">
               <a:rPr lang="en-US" smtClean="0"/>
-              <a:t>12-Sep-20</a:t>
+              <a:t>9/15/2020</a:t>
             </a:fld>
             <a:endParaRPr lang="en-US"/>
           </a:p>
@@ -1152,7 +1181,7 @@
           <a:p>
             <a:fld id="{3894A001-6890-4FB9-B682-16AC11FB0EF0}" type="datetimeFigureOut">
               <a:rPr lang="en-US" smtClean="0"/>
-              <a:t>12-Sep-20</a:t>
+              <a:t>9/15/2020</a:t>
             </a:fld>
             <a:endParaRPr lang="en-US"/>
           </a:p>
@@ -1417,7 +1446,7 @@
           <a:p>
             <a:fld id="{3894A001-6890-4FB9-B682-16AC11FB0EF0}" type="datetimeFigureOut">
               <a:rPr lang="en-US" smtClean="0"/>
-              <a:t>12-Sep-20</a:t>
+              <a:t>9/15/2020</a:t>
             </a:fld>
             <a:endParaRPr lang="en-US"/>
           </a:p>
@@ -1829,7 +1858,7 @@
           <a:p>
             <a:fld id="{3894A001-6890-4FB9-B682-16AC11FB0EF0}" type="datetimeFigureOut">
               <a:rPr lang="en-US" smtClean="0"/>
-              <a:t>12-Sep-20</a:t>
+              <a:t>9/15/2020</a:t>
             </a:fld>
             <a:endParaRPr lang="en-US"/>
           </a:p>
@@ -1970,7 +1999,7 @@
           <a:p>
             <a:fld id="{3894A001-6890-4FB9-B682-16AC11FB0EF0}" type="datetimeFigureOut">
               <a:rPr lang="en-US" smtClean="0"/>
-              <a:t>12-Sep-20</a:t>
+              <a:t>9/15/2020</a:t>
             </a:fld>
             <a:endParaRPr lang="en-US"/>
           </a:p>
@@ -2083,7 +2112,7 @@
           <a:p>
             <a:fld id="{3894A001-6890-4FB9-B682-16AC11FB0EF0}" type="datetimeFigureOut">
               <a:rPr lang="en-US" smtClean="0"/>
-              <a:t>12-Sep-20</a:t>
+              <a:t>9/15/2020</a:t>
             </a:fld>
             <a:endParaRPr lang="en-US"/>
           </a:p>
@@ -2394,7 +2423,7 @@
           <a:p>
             <a:fld id="{3894A001-6890-4FB9-B682-16AC11FB0EF0}" type="datetimeFigureOut">
               <a:rPr lang="en-US" smtClean="0"/>
-              <a:t>12-Sep-20</a:t>
+              <a:t>9/15/2020</a:t>
             </a:fld>
             <a:endParaRPr lang="en-US"/>
           </a:p>
@@ -2682,7 +2711,7 @@
           <a:p>
             <a:fld id="{3894A001-6890-4FB9-B682-16AC11FB0EF0}" type="datetimeFigureOut">
               <a:rPr lang="en-US" smtClean="0"/>
-              <a:t>12-Sep-20</a:t>
+              <a:t>9/15/2020</a:t>
             </a:fld>
             <a:endParaRPr lang="en-US"/>
           </a:p>
@@ -2923,7 +2952,7 @@
           <a:p>
             <a:fld id="{3894A001-6890-4FB9-B682-16AC11FB0EF0}" type="datetimeFigureOut">
               <a:rPr lang="en-US" smtClean="0"/>
-              <a:t>12-Sep-20</a:t>
+              <a:t>9/15/2020</a:t>
             </a:fld>
             <a:endParaRPr lang="en-US"/>
           </a:p>
@@ -4729,7 +4758,7 @@
         </p:nvSpPr>
         <p:spPr>
           <a:xfrm>
-            <a:off x="4731849" y="2906256"/>
+            <a:off x="289671" y="3266122"/>
             <a:ext cx="3131389" cy="1477328"/>
           </a:xfrm>
           <a:prstGeom prst="rect">

--- a/Team Project Discussion- Updated 12-09-20.pptx
+++ b/Team Project Discussion- Updated 12-09-20.pptx
@@ -131,7 +131,7 @@
   <pc:docChgLst>
     <pc:chgData name="Gu Ruixue" userId="fdcbd47d-d14d-471d-a2bd-00e3bb594fe9" providerId="ADAL" clId="{7756100F-9608-465D-A929-93846A240F02}"/>
     <pc:docChg chg="modSld">
-      <pc:chgData name="Gu Ruixue" userId="fdcbd47d-d14d-471d-a2bd-00e3bb594fe9" providerId="ADAL" clId="{7756100F-9608-465D-A929-93846A240F02}" dt="2020-09-15T15:30:52.836" v="1" actId="1076"/>
+      <pc:chgData name="Gu Ruixue" userId="fdcbd47d-d14d-471d-a2bd-00e3bb594fe9" providerId="ADAL" clId="{7756100F-9608-465D-A929-93846A240F02}" dt="2020-09-16T06:51:21.530" v="10" actId="1076"/>
       <pc:docMkLst>
         <pc:docMk/>
       </pc:docMkLst>
@@ -149,6 +149,37 @@
             <ac:spMk id="33" creationId="{DE33EB0A-2DD8-4423-B301-78C7E1522DC8}"/>
           </ac:spMkLst>
         </pc:spChg>
+      </pc:sldChg>
+      <pc:sldChg chg="modSp">
+        <pc:chgData name="Gu Ruixue" userId="fdcbd47d-d14d-471d-a2bd-00e3bb594fe9" providerId="ADAL" clId="{7756100F-9608-465D-A929-93846A240F02}" dt="2020-09-16T06:51:21.530" v="10" actId="1076"/>
+        <pc:sldMkLst>
+          <pc:docMk/>
+          <pc:sldMk cId="3337224638" sldId="264"/>
+        </pc:sldMkLst>
+        <pc:spChg chg="mod">
+          <ac:chgData name="Gu Ruixue" userId="fdcbd47d-d14d-471d-a2bd-00e3bb594fe9" providerId="ADAL" clId="{7756100F-9608-465D-A929-93846A240F02}" dt="2020-09-16T06:51:21.530" v="10" actId="1076"/>
+          <ac:spMkLst>
+            <pc:docMk/>
+            <pc:sldMk cId="3337224638" sldId="264"/>
+            <ac:spMk id="13" creationId="{BAE33176-7140-4B1D-BBAA-8EB69CA03186}"/>
+          </ac:spMkLst>
+        </pc:spChg>
+        <pc:spChg chg="mod">
+          <ac:chgData name="Gu Ruixue" userId="fdcbd47d-d14d-471d-a2bd-00e3bb594fe9" providerId="ADAL" clId="{7756100F-9608-465D-A929-93846A240F02}" dt="2020-09-16T05:39:59.763" v="7" actId="1076"/>
+          <ac:spMkLst>
+            <pc:docMk/>
+            <pc:sldMk cId="3337224638" sldId="264"/>
+            <ac:spMk id="15" creationId="{1C8E0C2C-CDD6-43F2-80EA-9006282E258D}"/>
+          </ac:spMkLst>
+        </pc:spChg>
+        <pc:picChg chg="mod">
+          <ac:chgData name="Gu Ruixue" userId="fdcbd47d-d14d-471d-a2bd-00e3bb594fe9" providerId="ADAL" clId="{7756100F-9608-465D-A929-93846A240F02}" dt="2020-09-16T05:40:17.022" v="9" actId="1076"/>
+          <ac:picMkLst>
+            <pc:docMk/>
+            <pc:sldMk cId="3337224638" sldId="264"/>
+            <ac:picMk id="7" creationId="{5B6E2504-6565-4769-A3BA-D07ABE971C3D}"/>
+          </ac:picMkLst>
+        </pc:picChg>
       </pc:sldChg>
     </pc:docChg>
   </pc:docChgLst>
@@ -302,7 +333,7 @@
           <a:p>
             <a:fld id="{3894A001-6890-4FB9-B682-16AC11FB0EF0}" type="datetimeFigureOut">
               <a:rPr lang="en-US" smtClean="0"/>
-              <a:t>9/15/2020</a:t>
+              <a:t>9/16/2020</a:t>
             </a:fld>
             <a:endParaRPr lang="en-US"/>
           </a:p>
@@ -500,7 +531,7 @@
           <a:p>
             <a:fld id="{3894A001-6890-4FB9-B682-16AC11FB0EF0}" type="datetimeFigureOut">
               <a:rPr lang="en-US" smtClean="0"/>
-              <a:t>9/15/2020</a:t>
+              <a:t>9/16/2020</a:t>
             </a:fld>
             <a:endParaRPr lang="en-US"/>
           </a:p>
@@ -708,7 +739,7 @@
           <a:p>
             <a:fld id="{3894A001-6890-4FB9-B682-16AC11FB0EF0}" type="datetimeFigureOut">
               <a:rPr lang="en-US" smtClean="0"/>
-              <a:t>9/15/2020</a:t>
+              <a:t>9/16/2020</a:t>
             </a:fld>
             <a:endParaRPr lang="en-US"/>
           </a:p>
@@ -906,7 +937,7 @@
           <a:p>
             <a:fld id="{3894A001-6890-4FB9-B682-16AC11FB0EF0}" type="datetimeFigureOut">
               <a:rPr lang="en-US" smtClean="0"/>
-              <a:t>9/15/2020</a:t>
+              <a:t>9/16/2020</a:t>
             </a:fld>
             <a:endParaRPr lang="en-US"/>
           </a:p>
@@ -1181,7 +1212,7 @@
           <a:p>
             <a:fld id="{3894A001-6890-4FB9-B682-16AC11FB0EF0}" type="datetimeFigureOut">
               <a:rPr lang="en-US" smtClean="0"/>
-              <a:t>9/15/2020</a:t>
+              <a:t>9/16/2020</a:t>
             </a:fld>
             <a:endParaRPr lang="en-US"/>
           </a:p>
@@ -1446,7 +1477,7 @@
           <a:p>
             <a:fld id="{3894A001-6890-4FB9-B682-16AC11FB0EF0}" type="datetimeFigureOut">
               <a:rPr lang="en-US" smtClean="0"/>
-              <a:t>9/15/2020</a:t>
+              <a:t>9/16/2020</a:t>
             </a:fld>
             <a:endParaRPr lang="en-US"/>
           </a:p>
@@ -1858,7 +1889,7 @@
           <a:p>
             <a:fld id="{3894A001-6890-4FB9-B682-16AC11FB0EF0}" type="datetimeFigureOut">
               <a:rPr lang="en-US" smtClean="0"/>
-              <a:t>9/15/2020</a:t>
+              <a:t>9/16/2020</a:t>
             </a:fld>
             <a:endParaRPr lang="en-US"/>
           </a:p>
@@ -1999,7 +2030,7 @@
           <a:p>
             <a:fld id="{3894A001-6890-4FB9-B682-16AC11FB0EF0}" type="datetimeFigureOut">
               <a:rPr lang="en-US" smtClean="0"/>
-              <a:t>9/15/2020</a:t>
+              <a:t>9/16/2020</a:t>
             </a:fld>
             <a:endParaRPr lang="en-US"/>
           </a:p>
@@ -2112,7 +2143,7 @@
           <a:p>
             <a:fld id="{3894A001-6890-4FB9-B682-16AC11FB0EF0}" type="datetimeFigureOut">
               <a:rPr lang="en-US" smtClean="0"/>
-              <a:t>9/15/2020</a:t>
+              <a:t>9/16/2020</a:t>
             </a:fld>
             <a:endParaRPr lang="en-US"/>
           </a:p>
@@ -2423,7 +2454,7 @@
           <a:p>
             <a:fld id="{3894A001-6890-4FB9-B682-16AC11FB0EF0}" type="datetimeFigureOut">
               <a:rPr lang="en-US" smtClean="0"/>
-              <a:t>9/15/2020</a:t>
+              <a:t>9/16/2020</a:t>
             </a:fld>
             <a:endParaRPr lang="en-US"/>
           </a:p>
@@ -2711,7 +2742,7 @@
           <a:p>
             <a:fld id="{3894A001-6890-4FB9-B682-16AC11FB0EF0}" type="datetimeFigureOut">
               <a:rPr lang="en-US" smtClean="0"/>
-              <a:t>9/15/2020</a:t>
+              <a:t>9/16/2020</a:t>
             </a:fld>
             <a:endParaRPr lang="en-US"/>
           </a:p>
@@ -2952,7 +2983,7 @@
           <a:p>
             <a:fld id="{3894A001-6890-4FB9-B682-16AC11FB0EF0}" type="datetimeFigureOut">
               <a:rPr lang="en-US" smtClean="0"/>
-              <a:t>9/15/2020</a:t>
+              <a:t>9/16/2020</a:t>
             </a:fld>
             <a:endParaRPr lang="en-US"/>
           </a:p>
@@ -4935,8 +4966,8 @@
         </p:blipFill>
         <p:spPr>
           <a:xfrm>
-            <a:off x="476745" y="3819421"/>
-            <a:ext cx="4595940" cy="2918446"/>
+            <a:off x="0" y="3188335"/>
+            <a:ext cx="5922351" cy="3760724"/>
           </a:xfrm>
           <a:prstGeom prst="rect">
             <a:avLst/>
@@ -4972,7 +5003,7 @@
           <a:lstStyle/>
           <a:p>
             <a:r>
-              <a:rPr lang="en-US" b="0" i="0" u="sng">
+              <a:rPr lang="en-US" b="0" i="0" u="sng" dirty="0">
                 <a:solidFill>
                   <a:srgbClr val="A6A7DC"/>
                 </a:solidFill>
@@ -5043,7 +5074,7 @@
         </p:nvSpPr>
         <p:spPr>
           <a:xfrm>
-            <a:off x="100380" y="3120364"/>
+            <a:off x="6020848" y="3761853"/>
             <a:ext cx="3856158" cy="923330"/>
           </a:xfrm>
           <a:prstGeom prst="rect">
@@ -5092,7 +5123,7 @@
         </p:nvSpPr>
         <p:spPr>
           <a:xfrm>
-            <a:off x="4731849" y="2906256"/>
+            <a:off x="7948927" y="1360316"/>
             <a:ext cx="3131389" cy="646331"/>
           </a:xfrm>
           <a:prstGeom prst="rect">
